--- a/Slides/Lecture11 - Putting it all together.pptx
+++ b/Slides/Lecture11 - Putting it all together.pptx
@@ -6,15 +6,21 @@
     <p:sldMasterId id="2147484675" r:id="rId5"/>
   </p:sldMasterIdLst>
   <p:notesMasterIdLst>
-    <p:notesMasterId r:id="rId9"/>
+    <p:notesMasterId r:id="rId15"/>
   </p:notesMasterIdLst>
   <p:handoutMasterIdLst>
-    <p:handoutMasterId r:id="rId10"/>
+    <p:handoutMasterId r:id="rId16"/>
   </p:handoutMasterIdLst>
   <p:sldIdLst>
     <p:sldId id="1663" r:id="rId6"/>
     <p:sldId id="1677" r:id="rId7"/>
     <p:sldId id="1678" r:id="rId8"/>
+    <p:sldId id="1681" r:id="rId9"/>
+    <p:sldId id="1679" r:id="rId10"/>
+    <p:sldId id="1682" r:id="rId11"/>
+    <p:sldId id="1684" r:id="rId12"/>
+    <p:sldId id="1685" r:id="rId13"/>
+    <p:sldId id="1683" r:id="rId14"/>
   </p:sldIdLst>
   <p:sldSz cx="12192000" cy="6858000"/>
   <p:notesSz cx="6858000" cy="9144000"/>
@@ -121,6 +127,12 @@
             <p14:sldId id="1663"/>
             <p14:sldId id="1677"/>
             <p14:sldId id="1678"/>
+            <p14:sldId id="1681"/>
+            <p14:sldId id="1679"/>
+            <p14:sldId id="1682"/>
+            <p14:sldId id="1684"/>
+            <p14:sldId id="1685"/>
+            <p14:sldId id="1683"/>
           </p14:sldIdLst>
         </p14:section>
       </p14:sectionLst>
@@ -260,7 +272,7 @@
               <a:rPr lang="en-US" smtClean="0">
                 <a:latin typeface="Segoe UI" pitchFamily="34" charset="0"/>
               </a:rPr>
-              <a:t>11/24/2019 7:34 PM</a:t>
+              <a:t>11/28/2019 5:21 PM</a:t>
             </a:fld>
             <a:endParaRPr lang="en-US" dirty="0">
               <a:latin typeface="Segoe UI" pitchFamily="34" charset="0"/>
@@ -538,7 +550,7 @@
           <a:p>
             <a:fld id="{386CE63F-9E7F-4C04-9D0D-FCA25A8E9E86}" type="datetime8">
               <a:rPr lang="en-US" smtClean="0"/>
-              <a:t>11/24/2019 7:34 PM</a:t>
+              <a:t>11/28/2019 5:21 PM</a:t>
             </a:fld>
             <a:endParaRPr lang="en-US" dirty="0"/>
           </a:p>
@@ -905,7 +917,7 @@
           <a:p>
             <a:fld id="{321E5A7B-BB8D-4368-A182-109669521632}" type="datetime8">
               <a:rPr lang="en-US" smtClean="0"/>
-              <a:t>11/24/2019 7:34 PM</a:t>
+              <a:t>11/28/2019 5:21 PM</a:t>
             </a:fld>
             <a:endParaRPr lang="en-US" dirty="0"/>
           </a:p>
@@ -19527,7 +19539,7 @@
         <p:spPr>
           <a:xfrm>
             <a:off x="586390" y="1434370"/>
-            <a:ext cx="11018520" cy="3496085"/>
+            <a:ext cx="11018520" cy="6426118"/>
           </a:xfrm>
         </p:spPr>
         <p:txBody>
@@ -19588,7 +19600,59 @@
                 <a:spcPct val="150000"/>
               </a:lnSpc>
             </a:pPr>
+            <a:r>
+              <a:rPr lang="en-US" dirty="0"/>
+              <a:t>Continuous Integration/Delivery/Deployment</a:t>
+            </a:r>
+          </a:p>
+          <a:p>
+            <a:pPr>
+              <a:lnSpc>
+                <a:spcPct val="150000"/>
+              </a:lnSpc>
+            </a:pPr>
+            <a:r>
+              <a:rPr lang="en-US" dirty="0"/>
+              <a:t>Shift-left</a:t>
+            </a:r>
+          </a:p>
+          <a:p>
+            <a:pPr>
+              <a:lnSpc>
+                <a:spcPct val="150000"/>
+              </a:lnSpc>
+            </a:pPr>
+            <a:r>
+              <a:rPr lang="en-US" dirty="0"/>
+              <a:t>Branching strategy vs. </a:t>
+            </a:r>
+            <a:r>
+              <a:rPr lang="en-US"/>
+              <a:t>tactics</a:t>
+            </a:r>
             <a:endParaRPr lang="en-US" dirty="0"/>
+          </a:p>
+          <a:p>
+            <a:pPr>
+              <a:lnSpc>
+                <a:spcPct val="150000"/>
+              </a:lnSpc>
+            </a:pPr>
+            <a:r>
+              <a:rPr lang="en-US" dirty="0"/>
+              <a:t>Infrastructure as Code</a:t>
+            </a:r>
+          </a:p>
+          <a:p>
+            <a:pPr>
+              <a:lnSpc>
+                <a:spcPct val="150000"/>
+              </a:lnSpc>
+            </a:pPr>
+            <a:r>
+              <a:rPr lang="en-US" dirty="0"/>
+              <a:t>Trunk-based development</a:t>
+            </a:r>
           </a:p>
         </p:txBody>
       </p:sp>
@@ -19742,6 +19806,691 @@
   <p:transition>
     <p:fade/>
   </p:transition>
+</p:sld>
+</file>
+
+<file path=ppt/slides/slide4.xml><?xml version="1.0" encoding="utf-8"?>
+<p:sld xmlns:a="http://schemas.openxmlformats.org/drawingml/2006/main" xmlns:r="http://schemas.openxmlformats.org/officeDocument/2006/relationships" xmlns:p="http://schemas.openxmlformats.org/presentationml/2006/main">
+  <p:cSld>
+    <p:spTree>
+      <p:nvGrpSpPr>
+        <p:cNvPr id="1" name=""/>
+        <p:cNvGrpSpPr/>
+        <p:nvPr/>
+      </p:nvGrpSpPr>
+      <p:grpSpPr>
+        <a:xfrm>
+          <a:off x="0" y="0"/>
+          <a:ext cx="0" cy="0"/>
+          <a:chOff x="0" y="0"/>
+          <a:chExt cx="0" cy="0"/>
+        </a:xfrm>
+      </p:grpSpPr>
+      <p:sp>
+        <p:nvSpPr>
+          <p:cNvPr id="4" name="Title 3">
+            <a:extLst>
+              <a:ext uri="{FF2B5EF4-FFF2-40B4-BE49-F238E27FC236}">
+                <a16:creationId xmlns:a16="http://schemas.microsoft.com/office/drawing/2014/main" id="{700049D5-737A-40FE-A270-827F40DA5733}"/>
+              </a:ext>
+            </a:extLst>
+          </p:cNvPr>
+          <p:cNvSpPr>
+            <a:spLocks noGrp="1"/>
+          </p:cNvSpPr>
+          <p:nvPr>
+            <p:ph type="title"/>
+          </p:nvPr>
+        </p:nvSpPr>
+        <p:spPr/>
+        <p:txBody>
+          <a:bodyPr/>
+          <a:lstStyle/>
+          <a:p>
+            <a:r>
+              <a:rPr lang="da-DK" dirty="0"/>
+              <a:t>Security in ASP.NET Core Web API</a:t>
+            </a:r>
+            <a:endParaRPr lang="LID4096" dirty="0"/>
+          </a:p>
+        </p:txBody>
+      </p:sp>
+      <p:sp>
+        <p:nvSpPr>
+          <p:cNvPr id="5" name="Text Placeholder 4">
+            <a:extLst>
+              <a:ext uri="{FF2B5EF4-FFF2-40B4-BE49-F238E27FC236}">
+                <a16:creationId xmlns:a16="http://schemas.microsoft.com/office/drawing/2014/main" id="{EC809964-1EEB-4AED-A5C8-EB9B0BBE32D4}"/>
+              </a:ext>
+            </a:extLst>
+          </p:cNvPr>
+          <p:cNvSpPr>
+            <a:spLocks noGrp="1"/>
+          </p:cNvSpPr>
+          <p:nvPr>
+            <p:ph type="body" sz="quarter" idx="12"/>
+          </p:nvPr>
+        </p:nvSpPr>
+        <p:spPr/>
+        <p:txBody>
+          <a:bodyPr/>
+          <a:lstStyle/>
+          <a:p>
+            <a:r>
+              <a:rPr lang="da-DK" dirty="0"/>
+              <a:t>Demo</a:t>
+            </a:r>
+            <a:endParaRPr lang="LID4096" dirty="0"/>
+          </a:p>
+        </p:txBody>
+      </p:sp>
+    </p:spTree>
+    <p:extLst>
+      <p:ext uri="{BB962C8B-B14F-4D97-AF65-F5344CB8AC3E}">
+        <p14:creationId xmlns:p14="http://schemas.microsoft.com/office/powerpoint/2010/main" val="2545850642"/>
+      </p:ext>
+    </p:extLst>
+  </p:cSld>
+  <p:clrMapOvr>
+    <a:masterClrMapping/>
+  </p:clrMapOvr>
+  <mc:AlternateContent xmlns:mc="http://schemas.openxmlformats.org/markup-compatibility/2006" xmlns:p14="http://schemas.microsoft.com/office/powerpoint/2010/main">
+    <mc:Choice Requires="p14">
+      <p:transition spd="med" p14:dur="700">
+        <p:fade/>
+      </p:transition>
+    </mc:Choice>
+    <mc:Fallback xmlns="">
+      <p:transition spd="med">
+        <p:fade/>
+      </p:transition>
+    </mc:Fallback>
+  </mc:AlternateContent>
+</p:sld>
+</file>
+
+<file path=ppt/slides/slide5.xml><?xml version="1.0" encoding="utf-8"?>
+<p:sld xmlns:a="http://schemas.openxmlformats.org/drawingml/2006/main" xmlns:r="http://schemas.openxmlformats.org/officeDocument/2006/relationships" xmlns:p="http://schemas.openxmlformats.org/presentationml/2006/main">
+  <p:cSld>
+    <p:spTree>
+      <p:nvGrpSpPr>
+        <p:cNvPr id="1" name=""/>
+        <p:cNvGrpSpPr/>
+        <p:nvPr/>
+      </p:nvGrpSpPr>
+      <p:grpSpPr>
+        <a:xfrm>
+          <a:off x="0" y="0"/>
+          <a:ext cx="0" cy="0"/>
+          <a:chOff x="0" y="0"/>
+          <a:chExt cx="0" cy="0"/>
+        </a:xfrm>
+      </p:grpSpPr>
+      <p:sp>
+        <p:nvSpPr>
+          <p:cNvPr id="2" name="Title 1">
+            <a:extLst>
+              <a:ext uri="{FF2B5EF4-FFF2-40B4-BE49-F238E27FC236}">
+                <a16:creationId xmlns:a16="http://schemas.microsoft.com/office/drawing/2014/main" id="{B81544F0-90B6-4364-8F15-AEDF66069972}"/>
+              </a:ext>
+            </a:extLst>
+          </p:cNvPr>
+          <p:cNvSpPr>
+            <a:spLocks noGrp="1"/>
+          </p:cNvSpPr>
+          <p:nvPr>
+            <p:ph type="title"/>
+          </p:nvPr>
+        </p:nvSpPr>
+        <p:spPr/>
+        <p:txBody>
+          <a:bodyPr/>
+          <a:lstStyle/>
+          <a:p>
+            <a:r>
+              <a:rPr lang="en-US" dirty="0"/>
+              <a:t>Security in </a:t>
+            </a:r>
+            <a:r>
+              <a:rPr lang="en-US" dirty="0" err="1"/>
+              <a:t>Xamarin.Forms</a:t>
+            </a:r>
+            <a:endParaRPr lang="LID4096" dirty="0"/>
+          </a:p>
+        </p:txBody>
+      </p:sp>
+      <p:sp>
+        <p:nvSpPr>
+          <p:cNvPr id="3" name="Text Placeholder 2">
+            <a:extLst>
+              <a:ext uri="{FF2B5EF4-FFF2-40B4-BE49-F238E27FC236}">
+                <a16:creationId xmlns:a16="http://schemas.microsoft.com/office/drawing/2014/main" id="{739F2EE0-836F-458E-9D5C-710DEDCF765F}"/>
+              </a:ext>
+            </a:extLst>
+          </p:cNvPr>
+          <p:cNvSpPr>
+            <a:spLocks noGrp="1"/>
+          </p:cNvSpPr>
+          <p:nvPr>
+            <p:ph type="body" sz="quarter" idx="10"/>
+          </p:nvPr>
+        </p:nvSpPr>
+        <p:spPr>
+          <a:xfrm>
+            <a:off x="586390" y="1434370"/>
+            <a:ext cx="11018520" cy="2499146"/>
+          </a:xfrm>
+        </p:spPr>
+        <p:txBody>
+          <a:bodyPr/>
+          <a:lstStyle/>
+          <a:p>
+            <a:r>
+              <a:rPr lang="da-DK" dirty="0">
+                <a:solidFill>
+                  <a:schemeClr val="bg1"/>
+                </a:solidFill>
+                <a:hlinkClick r:id="rId2"/>
+              </a:rPr>
+              <a:t>https://portal.azure.com/</a:t>
+            </a:r>
+            <a:r>
+              <a:rPr lang="da-DK" dirty="0">
+                <a:solidFill>
+                  <a:schemeClr val="bg1"/>
+                </a:solidFill>
+              </a:rPr>
+              <a:t> </a:t>
+            </a:r>
+          </a:p>
+          <a:p>
+            <a:endParaRPr lang="da-DK" dirty="0"/>
+          </a:p>
+          <a:p>
+            <a:r>
+              <a:rPr lang="da-DK" dirty="0" err="1"/>
+              <a:t>Create</a:t>
+            </a:r>
+            <a:r>
+              <a:rPr lang="da-DK" dirty="0"/>
+              <a:t> new App </a:t>
+            </a:r>
+            <a:r>
+              <a:rPr lang="da-DK" dirty="0" err="1"/>
+              <a:t>Registration</a:t>
+            </a:r>
+            <a:endParaRPr lang="da-DK" dirty="0"/>
+          </a:p>
+          <a:p>
+            <a:endParaRPr lang="da-DK" dirty="0"/>
+          </a:p>
+          <a:p>
+            <a:r>
+              <a:rPr lang="da-DK" dirty="0">
+                <a:solidFill>
+                  <a:schemeClr val="bg1"/>
+                </a:solidFill>
+                <a:hlinkClick r:id="rId3"/>
+              </a:rPr>
+              <a:t>https://azure.microsoft.com/en-us/resources/samples</a:t>
+            </a:r>
+            <a:endParaRPr lang="en-DK" dirty="0">
+              <a:solidFill>
+                <a:schemeClr val="bg1"/>
+              </a:solidFill>
+            </a:endParaRPr>
+          </a:p>
+        </p:txBody>
+      </p:sp>
+    </p:spTree>
+    <p:extLst>
+      <p:ext uri="{BB962C8B-B14F-4D97-AF65-F5344CB8AC3E}">
+        <p14:creationId xmlns:p14="http://schemas.microsoft.com/office/powerpoint/2010/main" val="64628898"/>
+      </p:ext>
+    </p:extLst>
+  </p:cSld>
+  <p:clrMapOvr>
+    <a:masterClrMapping/>
+  </p:clrMapOvr>
+  <p:transition>
+    <p:fade/>
+  </p:transition>
+</p:sld>
+</file>
+
+<file path=ppt/slides/slide6.xml><?xml version="1.0" encoding="utf-8"?>
+<p:sld xmlns:a="http://schemas.openxmlformats.org/drawingml/2006/main" xmlns:r="http://schemas.openxmlformats.org/officeDocument/2006/relationships" xmlns:p="http://schemas.openxmlformats.org/presentationml/2006/main">
+  <p:cSld>
+    <p:spTree>
+      <p:nvGrpSpPr>
+        <p:cNvPr id="1" name=""/>
+        <p:cNvGrpSpPr/>
+        <p:nvPr/>
+      </p:nvGrpSpPr>
+      <p:grpSpPr>
+        <a:xfrm>
+          <a:off x="0" y="0"/>
+          <a:ext cx="0" cy="0"/>
+          <a:chOff x="0" y="0"/>
+          <a:chExt cx="0" cy="0"/>
+        </a:xfrm>
+      </p:grpSpPr>
+      <p:sp>
+        <p:nvSpPr>
+          <p:cNvPr id="4" name="Title 3">
+            <a:extLst>
+              <a:ext uri="{FF2B5EF4-FFF2-40B4-BE49-F238E27FC236}">
+                <a16:creationId xmlns:a16="http://schemas.microsoft.com/office/drawing/2014/main" id="{700049D5-737A-40FE-A270-827F40DA5733}"/>
+              </a:ext>
+            </a:extLst>
+          </p:cNvPr>
+          <p:cNvSpPr>
+            <a:spLocks noGrp="1"/>
+          </p:cNvSpPr>
+          <p:nvPr>
+            <p:ph type="title"/>
+          </p:nvPr>
+        </p:nvSpPr>
+        <p:spPr/>
+        <p:txBody>
+          <a:bodyPr/>
+          <a:lstStyle/>
+          <a:p>
+            <a:r>
+              <a:rPr lang="da-DK" dirty="0"/>
+              <a:t>Security in </a:t>
+            </a:r>
+            <a:r>
+              <a:rPr lang="da-DK" dirty="0" err="1"/>
+              <a:t>Xamarin.Forms</a:t>
+            </a:r>
+            <a:endParaRPr lang="LID4096" dirty="0"/>
+          </a:p>
+        </p:txBody>
+      </p:sp>
+      <p:sp>
+        <p:nvSpPr>
+          <p:cNvPr id="5" name="Text Placeholder 4">
+            <a:extLst>
+              <a:ext uri="{FF2B5EF4-FFF2-40B4-BE49-F238E27FC236}">
+                <a16:creationId xmlns:a16="http://schemas.microsoft.com/office/drawing/2014/main" id="{EC809964-1EEB-4AED-A5C8-EB9B0BBE32D4}"/>
+              </a:ext>
+            </a:extLst>
+          </p:cNvPr>
+          <p:cNvSpPr>
+            <a:spLocks noGrp="1"/>
+          </p:cNvSpPr>
+          <p:nvPr>
+            <p:ph type="body" sz="quarter" idx="12"/>
+          </p:nvPr>
+        </p:nvSpPr>
+        <p:spPr/>
+        <p:txBody>
+          <a:bodyPr/>
+          <a:lstStyle/>
+          <a:p>
+            <a:r>
+              <a:rPr lang="da-DK" dirty="0"/>
+              <a:t>Demo</a:t>
+            </a:r>
+            <a:endParaRPr lang="LID4096" dirty="0"/>
+          </a:p>
+        </p:txBody>
+      </p:sp>
+    </p:spTree>
+    <p:extLst>
+      <p:ext uri="{BB962C8B-B14F-4D97-AF65-F5344CB8AC3E}">
+        <p14:creationId xmlns:p14="http://schemas.microsoft.com/office/powerpoint/2010/main" val="3829051203"/>
+      </p:ext>
+    </p:extLst>
+  </p:cSld>
+  <p:clrMapOvr>
+    <a:masterClrMapping/>
+  </p:clrMapOvr>
+  <mc:AlternateContent xmlns:mc="http://schemas.openxmlformats.org/markup-compatibility/2006" xmlns:p14="http://schemas.microsoft.com/office/powerpoint/2010/main">
+    <mc:Choice Requires="p14">
+      <p:transition spd="med" p14:dur="700">
+        <p:fade/>
+      </p:transition>
+    </mc:Choice>
+    <mc:Fallback xmlns="">
+      <p:transition spd="med">
+        <p:fade/>
+      </p:transition>
+    </mc:Fallback>
+  </mc:AlternateContent>
+</p:sld>
+</file>
+
+<file path=ppt/slides/slide7.xml><?xml version="1.0" encoding="utf-8"?>
+<p:sld xmlns:a="http://schemas.openxmlformats.org/drawingml/2006/main" xmlns:r="http://schemas.openxmlformats.org/officeDocument/2006/relationships" xmlns:p="http://schemas.openxmlformats.org/presentationml/2006/main">
+  <p:cSld>
+    <p:bg>
+      <p:bgPr>
+        <a:solidFill>
+          <a:schemeClr val="bg1"/>
+        </a:solidFill>
+        <a:effectLst/>
+      </p:bgPr>
+    </p:bg>
+    <p:spTree>
+      <p:nvGrpSpPr>
+        <p:cNvPr id="1" name=""/>
+        <p:cNvGrpSpPr/>
+        <p:nvPr/>
+      </p:nvGrpSpPr>
+      <p:grpSpPr>
+        <a:xfrm>
+          <a:off x="0" y="0"/>
+          <a:ext cx="0" cy="0"/>
+          <a:chOff x="0" y="0"/>
+          <a:chExt cx="0" cy="0"/>
+        </a:xfrm>
+      </p:grpSpPr>
+      <p:pic>
+        <p:nvPicPr>
+          <p:cNvPr id="1026" name="Picture 2">
+            <a:extLst>
+              <a:ext uri="{FF2B5EF4-FFF2-40B4-BE49-F238E27FC236}">
+                <a16:creationId xmlns:a16="http://schemas.microsoft.com/office/drawing/2014/main" id="{DB9CC47B-1A4C-4D66-B1C6-EAC90BA3A808}"/>
+              </a:ext>
+            </a:extLst>
+          </p:cNvPr>
+          <p:cNvPicPr>
+            <a:picLocks noChangeAspect="1" noChangeArrowheads="1"/>
+          </p:cNvPicPr>
+          <p:nvPr/>
+        </p:nvPicPr>
+        <p:blipFill>
+          <a:blip r:embed="rId2">
+            <a:extLst>
+              <a:ext uri="{28A0092B-C50C-407E-A947-70E740481C1C}">
+                <a14:useLocalDpi xmlns:a14="http://schemas.microsoft.com/office/drawing/2010/main" val="0"/>
+              </a:ext>
+            </a:extLst>
+          </a:blip>
+          <a:stretch>
+            <a:fillRect/>
+          </a:stretch>
+        </p:blipFill>
+        <p:spPr bwMode="auto">
+          <a:xfrm>
+            <a:off x="5334000" y="488632"/>
+            <a:ext cx="6858000" cy="5880735"/>
+          </a:xfrm>
+          <a:prstGeom prst="rect">
+            <a:avLst/>
+          </a:prstGeom>
+          <a:noFill/>
+          <a:extLst>
+            <a:ext uri="{909E8E84-426E-40DD-AFC4-6F175D3DCCD1}">
+              <a14:hiddenFill xmlns:a14="http://schemas.microsoft.com/office/drawing/2010/main">
+                <a:solidFill>
+                  <a:srgbClr val="FFFFFF"/>
+                </a:solidFill>
+              </a14:hiddenFill>
+            </a:ext>
+          </a:extLst>
+        </p:spPr>
+      </p:pic>
+      <p:sp>
+        <p:nvSpPr>
+          <p:cNvPr id="2" name="Title 1">
+            <a:extLst>
+              <a:ext uri="{FF2B5EF4-FFF2-40B4-BE49-F238E27FC236}">
+                <a16:creationId xmlns:a16="http://schemas.microsoft.com/office/drawing/2014/main" id="{37828130-5A6D-46F2-88EE-D12D9E027E2B}"/>
+              </a:ext>
+            </a:extLst>
+          </p:cNvPr>
+          <p:cNvSpPr>
+            <a:spLocks noGrp="1"/>
+          </p:cNvSpPr>
+          <p:nvPr>
+            <p:ph type="title"/>
+          </p:nvPr>
+        </p:nvSpPr>
+        <p:spPr>
+          <a:xfrm>
+            <a:off x="588263" y="2996526"/>
+            <a:ext cx="4163125" cy="3272512"/>
+          </a:xfrm>
+          <a:prstGeom prst="rect">
+            <a:avLst/>
+          </a:prstGeom>
+        </p:spPr>
+        <p:txBody>
+          <a:bodyPr wrap="square" anchor="t">
+            <a:normAutofit/>
+          </a:bodyPr>
+          <a:lstStyle/>
+          <a:p>
+            <a:r>
+              <a:rPr lang="da-DK" dirty="0"/>
+              <a:t>Azure DevOps</a:t>
+            </a:r>
+            <a:endParaRPr lang="LID4096" dirty="0"/>
+          </a:p>
+        </p:txBody>
+      </p:sp>
+    </p:spTree>
+    <p:extLst>
+      <p:ext uri="{BB962C8B-B14F-4D97-AF65-F5344CB8AC3E}">
+        <p14:creationId xmlns:p14="http://schemas.microsoft.com/office/powerpoint/2010/main" val="2438905252"/>
+      </p:ext>
+    </p:extLst>
+  </p:cSld>
+  <p:clrMapOvr>
+    <a:masterClrMapping/>
+  </p:clrMapOvr>
+  <p:transition>
+    <p:fade/>
+  </p:transition>
+</p:sld>
+</file>
+
+<file path=ppt/slides/slide8.xml><?xml version="1.0" encoding="utf-8"?>
+<p:sld xmlns:a="http://schemas.openxmlformats.org/drawingml/2006/main" xmlns:r="http://schemas.openxmlformats.org/officeDocument/2006/relationships" xmlns:p="http://schemas.openxmlformats.org/presentationml/2006/main">
+  <p:cSld>
+    <p:bg>
+      <p:bgPr>
+        <a:solidFill>
+          <a:schemeClr val="bg1"/>
+        </a:solidFill>
+        <a:effectLst/>
+      </p:bgPr>
+    </p:bg>
+    <p:spTree>
+      <p:nvGrpSpPr>
+        <p:cNvPr id="1" name=""/>
+        <p:cNvGrpSpPr/>
+        <p:nvPr/>
+      </p:nvGrpSpPr>
+      <p:grpSpPr>
+        <a:xfrm>
+          <a:off x="0" y="0"/>
+          <a:ext cx="0" cy="0"/>
+          <a:chOff x="0" y="0"/>
+          <a:chExt cx="0" cy="0"/>
+        </a:xfrm>
+      </p:grpSpPr>
+      <p:sp>
+        <p:nvSpPr>
+          <p:cNvPr id="10" name="Title 1">
+            <a:extLst>
+              <a:ext uri="{FF2B5EF4-FFF2-40B4-BE49-F238E27FC236}">
+                <a16:creationId xmlns:a16="http://schemas.microsoft.com/office/drawing/2014/main" id="{7446D54C-91F7-445B-8D13-729DC6ED248F}"/>
+              </a:ext>
+            </a:extLst>
+          </p:cNvPr>
+          <p:cNvSpPr>
+            <a:spLocks noGrp="1"/>
+          </p:cNvSpPr>
+          <p:nvPr>
+            <p:ph type="title"/>
+          </p:nvPr>
+        </p:nvSpPr>
+        <p:spPr>
+          <a:xfrm>
+            <a:off x="588263" y="457200"/>
+            <a:ext cx="11018520" cy="553998"/>
+          </a:xfrm>
+        </p:spPr>
+        <p:txBody>
+          <a:bodyPr/>
+          <a:lstStyle/>
+          <a:p>
+            <a:r>
+              <a:rPr lang="en-US" dirty="0"/>
+              <a:t>Azure DevOps</a:t>
+            </a:r>
+          </a:p>
+        </p:txBody>
+      </p:sp>
+      <p:pic>
+        <p:nvPicPr>
+          <p:cNvPr id="5" name="Picture Placeholder 4" descr="A screenshot of a cell phone screen with text&#10;&#10;Description automatically generated">
+            <a:extLst>
+              <a:ext uri="{FF2B5EF4-FFF2-40B4-BE49-F238E27FC236}">
+                <a16:creationId xmlns:a16="http://schemas.microsoft.com/office/drawing/2014/main" id="{93DCF2E9-B472-4441-BC5A-EB7F4FA21238}"/>
+              </a:ext>
+            </a:extLst>
+          </p:cNvPr>
+          <p:cNvPicPr>
+            <a:picLocks noGrp="1" noChangeAspect="1"/>
+          </p:cNvPicPr>
+          <p:nvPr>
+            <p:ph sz="quarter" idx="10"/>
+          </p:nvPr>
+        </p:nvPicPr>
+        <p:blipFill rotWithShape="1">
+          <a:blip r:embed="rId2"/>
+          <a:srcRect l="-1" t="21644" r="-3" b="1870"/>
+          <a:stretch/>
+        </p:blipFill>
+        <p:spPr>
+          <a:xfrm>
+            <a:off x="584200" y="1809882"/>
+            <a:ext cx="11018838" cy="3841148"/>
+          </a:xfrm>
+          <a:prstGeom prst="rect">
+            <a:avLst/>
+          </a:prstGeom>
+          <a:noFill/>
+        </p:spPr>
+      </p:pic>
+    </p:spTree>
+    <p:extLst>
+      <p:ext uri="{BB962C8B-B14F-4D97-AF65-F5344CB8AC3E}">
+        <p14:creationId xmlns:p14="http://schemas.microsoft.com/office/powerpoint/2010/main" val="3943422209"/>
+      </p:ext>
+    </p:extLst>
+  </p:cSld>
+  <p:clrMapOvr>
+    <a:masterClrMapping/>
+  </p:clrMapOvr>
+  <p:transition>
+    <p:fade/>
+  </p:transition>
+</p:sld>
+</file>
+
+<file path=ppt/slides/slide9.xml><?xml version="1.0" encoding="utf-8"?>
+<p:sld xmlns:a="http://schemas.openxmlformats.org/drawingml/2006/main" xmlns:r="http://schemas.openxmlformats.org/officeDocument/2006/relationships" xmlns:p="http://schemas.openxmlformats.org/presentationml/2006/main">
+  <p:cSld>
+    <p:spTree>
+      <p:nvGrpSpPr>
+        <p:cNvPr id="1" name=""/>
+        <p:cNvGrpSpPr/>
+        <p:nvPr/>
+      </p:nvGrpSpPr>
+      <p:grpSpPr>
+        <a:xfrm>
+          <a:off x="0" y="0"/>
+          <a:ext cx="0" cy="0"/>
+          <a:chOff x="0" y="0"/>
+          <a:chExt cx="0" cy="0"/>
+        </a:xfrm>
+      </p:grpSpPr>
+      <p:sp>
+        <p:nvSpPr>
+          <p:cNvPr id="2" name="Title 1">
+            <a:extLst>
+              <a:ext uri="{FF2B5EF4-FFF2-40B4-BE49-F238E27FC236}">
+                <a16:creationId xmlns:a16="http://schemas.microsoft.com/office/drawing/2014/main" id="{37828130-5A6D-46F2-88EE-D12D9E027E2B}"/>
+              </a:ext>
+            </a:extLst>
+          </p:cNvPr>
+          <p:cNvSpPr>
+            <a:spLocks noGrp="1"/>
+          </p:cNvSpPr>
+          <p:nvPr>
+            <p:ph type="title"/>
+          </p:nvPr>
+        </p:nvSpPr>
+        <p:spPr/>
+        <p:txBody>
+          <a:bodyPr/>
+          <a:lstStyle/>
+          <a:p>
+            <a:r>
+              <a:rPr lang="da-DK" dirty="0"/>
+              <a:t>Azure DevOps</a:t>
+            </a:r>
+            <a:endParaRPr lang="LID4096" dirty="0"/>
+          </a:p>
+        </p:txBody>
+      </p:sp>
+      <p:sp>
+        <p:nvSpPr>
+          <p:cNvPr id="3" name="Text Placeholder 2">
+            <a:extLst>
+              <a:ext uri="{FF2B5EF4-FFF2-40B4-BE49-F238E27FC236}">
+                <a16:creationId xmlns:a16="http://schemas.microsoft.com/office/drawing/2014/main" id="{58B88B82-BCE7-4495-B3B6-43323D141AC8}"/>
+              </a:ext>
+            </a:extLst>
+          </p:cNvPr>
+          <p:cNvSpPr>
+            <a:spLocks noGrp="1"/>
+          </p:cNvSpPr>
+          <p:nvPr>
+            <p:ph type="body" sz="quarter" idx="12"/>
+          </p:nvPr>
+        </p:nvSpPr>
+        <p:spPr/>
+        <p:txBody>
+          <a:bodyPr/>
+          <a:lstStyle/>
+          <a:p>
+            <a:r>
+              <a:rPr lang="da-DK" dirty="0"/>
+              <a:t>Demo</a:t>
+            </a:r>
+            <a:endParaRPr lang="LID4096" dirty="0"/>
+          </a:p>
+        </p:txBody>
+      </p:sp>
+    </p:spTree>
+    <p:extLst>
+      <p:ext uri="{BB962C8B-B14F-4D97-AF65-F5344CB8AC3E}">
+        <p14:creationId xmlns:p14="http://schemas.microsoft.com/office/powerpoint/2010/main" val="2631443891"/>
+      </p:ext>
+    </p:extLst>
+  </p:cSld>
+  <p:clrMapOvr>
+    <a:masterClrMapping/>
+  </p:clrMapOvr>
+  <mc:AlternateContent xmlns:mc="http://schemas.openxmlformats.org/markup-compatibility/2006" xmlns:p14="http://schemas.microsoft.com/office/powerpoint/2010/main">
+    <mc:Choice Requires="p14">
+      <p:transition spd="med" p14:dur="700">
+        <p:fade/>
+      </p:transition>
+    </mc:Choice>
+    <mc:Fallback xmlns="">
+      <p:transition spd="med">
+        <p:fade/>
+      </p:transition>
+    </mc:Fallback>
+  </mc:AlternateContent>
 </p:sld>
 </file>
 
@@ -20898,6 +21647,15 @@
 </file>
 
 <file path=customXml/item1.xml><?xml version="1.0" encoding="utf-8"?>
+<?mso-contentType ?>
+<FormTemplates xmlns="http://schemas.microsoft.com/sharepoint/v3/contenttype/forms">
+  <Display>DocumentLibraryForm</Display>
+  <Edit>DocumentLibraryForm</Edit>
+  <New>DocumentLibraryForm</New>
+</FormTemplates>
+</file>
+
+<file path=customXml/item2.xml><?xml version="1.0" encoding="utf-8"?>
 <ct:contentTypeSchema xmlns:ct="http://schemas.microsoft.com/office/2006/metadata/contentType" xmlns:ma="http://schemas.microsoft.com/office/2006/metadata/properties/metaAttributes" ct:_="" ma:_="" ma:contentTypeName="Document" ma:contentTypeID="0x010100BD9FAF4CD5AD2F4B99B5B2414089ABF7" ma:contentTypeVersion="14" ma:contentTypeDescription="Create a new document." ma:contentTypeScope="" ma:versionID="15419eb272c8997d22174cab72b81ac5">
   <xsd:schema xmlns:xsd="http://www.w3.org/2001/XMLSchema" xmlns:xs="http://www.w3.org/2001/XMLSchema" xmlns:p="http://schemas.microsoft.com/office/2006/metadata/properties" xmlns:ns2="dcf5ddc1-fb1d-440f-849a-6450bddbaed7" xmlns:ns3="965de625-df5b-42e9-a277-2113da4f1195" targetNamespace="http://schemas.microsoft.com/office/2006/metadata/properties" ma:root="true" ma:fieldsID="366f960d0717a06e650b8dd07cd5f805" ns2:_="" ns3:_="">
     <xsd:import namespace="dcf5ddc1-fb1d-440f-849a-6450bddbaed7"/>
@@ -21128,7 +21886,7 @@
 </ct:contentTypeSchema>
 </file>
 
-<file path=customXml/item2.xml><?xml version="1.0" encoding="utf-8"?>
+<file path=customXml/item3.xml><?xml version="1.0" encoding="utf-8"?>
 <p:properties xmlns:p="http://schemas.microsoft.com/office/2006/metadata/properties" xmlns:xsi="http://www.w3.org/2001/XMLSchema-instance" xmlns:pc="http://schemas.microsoft.com/office/infopath/2007/PartnerControls">
   <documentManagement>
     <MediaServiceKeyPoints xmlns="965de625-df5b-42e9-a277-2113da4f1195" xsi:nil="true"/>
@@ -21136,16 +21894,15 @@
 </p:properties>
 </file>
 
-<file path=customXml/item3.xml><?xml version="1.0" encoding="utf-8"?>
-<?mso-contentType ?>
-<FormTemplates xmlns="http://schemas.microsoft.com/sharepoint/v3/contenttype/forms">
-  <Display>DocumentLibraryForm</Display>
-  <Edit>DocumentLibraryForm</Edit>
-  <New>DocumentLibraryForm</New>
-</FormTemplates>
+<file path=customXml/itemProps1.xml><?xml version="1.0" encoding="utf-8"?>
+<ds:datastoreItem xmlns:ds="http://schemas.openxmlformats.org/officeDocument/2006/customXml" ds:itemID="{758FDAC0-319D-4A54-8D8E-1D42CB1F8004}">
+  <ds:schemaRefs>
+    <ds:schemaRef ds:uri="http://schemas.microsoft.com/sharepoint/v3/contenttype/forms"/>
+  </ds:schemaRefs>
+</ds:datastoreItem>
 </file>
 
-<file path=customXml/itemProps1.xml><?xml version="1.0" encoding="utf-8"?>
+<file path=customXml/itemProps2.xml><?xml version="1.0" encoding="utf-8"?>
 <ds:datastoreItem xmlns:ds="http://schemas.openxmlformats.org/officeDocument/2006/customXml" ds:itemID="{B28DDFE8-80D6-4A60-B5D6-41E509D3A2B4}">
   <ds:schemaRefs>
     <ds:schemaRef ds:uri="http://schemas.microsoft.com/office/2006/metadata/contentType"/>
@@ -21164,7 +21921,7 @@
 </ds:datastoreItem>
 </file>
 
-<file path=customXml/itemProps2.xml><?xml version="1.0" encoding="utf-8"?>
+<file path=customXml/itemProps3.xml><?xml version="1.0" encoding="utf-8"?>
 <ds:datastoreItem xmlns:ds="http://schemas.openxmlformats.org/officeDocument/2006/customXml" ds:itemID="{F990F116-B58F-4255-B05B-DA3808E0E5C6}">
   <ds:schemaRefs>
     <ds:schemaRef ds:uri="http://purl.org/dc/elements/1.1/"/>
@@ -21181,12 +21938,4 @@
     <ds:schemaRef ds:uri="965de625-df5b-42e9-a277-2113da4f1195"/>
   </ds:schemaRefs>
 </ds:datastoreItem>
-</file>
-
-<file path=customXml/itemProps3.xml><?xml version="1.0" encoding="utf-8"?>
-<ds:datastoreItem xmlns:ds="http://schemas.openxmlformats.org/officeDocument/2006/customXml" ds:itemID="{758FDAC0-319D-4A54-8D8E-1D42CB1F8004}">
-  <ds:schemaRefs>
-    <ds:schemaRef ds:uri="http://schemas.microsoft.com/sharepoint/v3/contenttype/forms"/>
-  </ds:schemaRefs>
-</ds:datastoreItem>
 </file>